--- a/Data analysis in python.pptx
+++ b/Data analysis in python.pptx
@@ -17351,7 +17351,11 @@
           <a:p>
             <a:r>
               <a:rPr lang="en-US" dirty="0"/>
-              <a:t>This example demonstrates how to merge to </a:t>
+              <a:t>This example demonstrates how to merge </a:t>
+            </a:r>
+            <a:r>
+              <a:rPr lang="en-US" dirty="0" smtClean="0"/>
+              <a:t>two </a:t>
             </a:r>
             <a:r>
               <a:rPr lang="en-US" dirty="0" err="1"/>
@@ -25514,8 +25518,27 @@
             </a:r>
             <a:r>
               <a:rPr lang="en-US" dirty="0"/>
-              <a:t> distance. Can be really handy. Made by seatgeek.com</a:t>
-            </a:r>
+              <a:t> distance. Can be really handy. Made by </a:t>
+            </a:r>
+            <a:r>
+              <a:rPr lang="en-US" dirty="0" smtClean="0"/>
+              <a:t>seatgeek.com</a:t>
+            </a:r>
+          </a:p>
+          <a:p>
+            <a:r>
+              <a:rPr lang="en-US" dirty="0" err="1" smtClean="0"/>
+              <a:t>Gensim</a:t>
+            </a:r>
+            <a:r>
+              <a:rPr lang="en-US" dirty="0" smtClean="0"/>
+              <a:t>: Does topic modeling &amp; word2vec. Absolute cutting edge </a:t>
+            </a:r>
+            <a:r>
+              <a:rPr lang="en-US" smtClean="0"/>
+              <a:t>NLP library.</a:t>
+            </a:r>
+            <a:endParaRPr lang="en-US" dirty="0"/>
           </a:p>
           <a:p>
             <a:r>
@@ -31747,7 +31770,11 @@
             </a:r>
             <a:r>
               <a:rPr lang="en-US" dirty="0" smtClean="0"/>
-              <a:t>solution (As a Function</a:t>
+              <a:t>solution (As a </a:t>
+            </a:r>
+            <a:r>
+              <a:rPr lang="en-US" dirty="0" smtClean="0"/>
+              <a:t>Function)</a:t>
             </a:r>
             <a:endParaRPr lang="en-US" dirty="0"/>
           </a:p>
@@ -39747,7 +39774,15 @@
           <a:p>
             <a:r>
               <a:rPr lang="en-US" dirty="0" smtClean="0"/>
-              <a:t>Often you will need to do some level of preprocessing your data. </a:t>
+              <a:t>Often you will need to do some level of preprocessing </a:t>
+            </a:r>
+            <a:r>
+              <a:rPr lang="en-US" dirty="0" smtClean="0"/>
+              <a:t>on your </a:t>
+            </a:r>
+            <a:r>
+              <a:rPr lang="en-US" dirty="0" smtClean="0"/>
+              <a:t>data. </a:t>
             </a:r>
           </a:p>
           <a:p>
@@ -39761,7 +39796,15 @@
             </a:r>
             <a:r>
               <a:rPr lang="en-US" dirty="0" smtClean="0"/>
-              <a:t> as you process using a dictionary of lists</a:t>
+              <a:t> as you </a:t>
+            </a:r>
+            <a:r>
+              <a:rPr lang="en-US" dirty="0" smtClean="0"/>
+              <a:t>process use </a:t>
+            </a:r>
+            <a:r>
+              <a:rPr lang="en-US" dirty="0" smtClean="0"/>
+              <a:t>a dictionary of lists</a:t>
             </a:r>
           </a:p>
         </p:txBody>
